--- a/PC방 화면설계서.pptx
+++ b/PC방 화면설계서.pptx
@@ -5,11 +5,13 @@
     <p:sldMasterId id="2147483648" r:id="rId1"/>
   </p:sldMasterIdLst>
   <p:notesMasterIdLst>
-    <p:notesMasterId r:id="rId4"/>
+    <p:notesMasterId r:id="rId6"/>
   </p:notesMasterIdLst>
   <p:sldIdLst>
     <p:sldId id="257" r:id="rId2"/>
-    <p:sldId id="256" r:id="rId3"/>
+    <p:sldId id="258" r:id="rId3"/>
+    <p:sldId id="256" r:id="rId4"/>
+    <p:sldId id="259" r:id="rId5"/>
   </p:sldIdLst>
   <p:sldSz cx="9144000" cy="6858000" type="screen4x3"/>
   <p:notesSz cx="6858000" cy="9144000"/>
@@ -193,7 +195,7 @@
           <a:p>
             <a:fld id="{32388592-9F36-406F-8C1B-92840CF9C79B}" type="datetimeFigureOut">
               <a:rPr lang="ko-KR" altLang="en-US" smtClean="0"/>
-              <a:t>2020-02-17</a:t>
+              <a:t>2020-02-28</a:t>
             </a:fld>
             <a:endParaRPr lang="ko-KR" altLang="en-US"/>
           </a:p>
@@ -726,7 +728,7 @@
           <a:p>
             <a:fld id="{3136136F-ECC5-495B-8B11-3D1CF5F3A3F9}" type="datetimeFigureOut">
               <a:rPr lang="ko-KR" altLang="en-US" smtClean="0"/>
-              <a:t>2020-02-17</a:t>
+              <a:t>2020-02-28</a:t>
             </a:fld>
             <a:endParaRPr lang="ko-KR" altLang="en-US"/>
           </a:p>
@@ -896,7 +898,7 @@
           <a:p>
             <a:fld id="{3136136F-ECC5-495B-8B11-3D1CF5F3A3F9}" type="datetimeFigureOut">
               <a:rPr lang="ko-KR" altLang="en-US" smtClean="0"/>
-              <a:t>2020-02-17</a:t>
+              <a:t>2020-02-28</a:t>
             </a:fld>
             <a:endParaRPr lang="ko-KR" altLang="en-US"/>
           </a:p>
@@ -1076,7 +1078,7 @@
           <a:p>
             <a:fld id="{3136136F-ECC5-495B-8B11-3D1CF5F3A3F9}" type="datetimeFigureOut">
               <a:rPr lang="ko-KR" altLang="en-US" smtClean="0"/>
-              <a:t>2020-02-17</a:t>
+              <a:t>2020-02-28</a:t>
             </a:fld>
             <a:endParaRPr lang="ko-KR" altLang="en-US"/>
           </a:p>
@@ -1246,7 +1248,7 @@
           <a:p>
             <a:fld id="{3136136F-ECC5-495B-8B11-3D1CF5F3A3F9}" type="datetimeFigureOut">
               <a:rPr lang="ko-KR" altLang="en-US" smtClean="0"/>
-              <a:t>2020-02-17</a:t>
+              <a:t>2020-02-28</a:t>
             </a:fld>
             <a:endParaRPr lang="ko-KR" altLang="en-US"/>
           </a:p>
@@ -1492,7 +1494,7 @@
           <a:p>
             <a:fld id="{3136136F-ECC5-495B-8B11-3D1CF5F3A3F9}" type="datetimeFigureOut">
               <a:rPr lang="ko-KR" altLang="en-US" smtClean="0"/>
-              <a:t>2020-02-17</a:t>
+              <a:t>2020-02-28</a:t>
             </a:fld>
             <a:endParaRPr lang="ko-KR" altLang="en-US"/>
           </a:p>
@@ -1780,7 +1782,7 @@
           <a:p>
             <a:fld id="{3136136F-ECC5-495B-8B11-3D1CF5F3A3F9}" type="datetimeFigureOut">
               <a:rPr lang="ko-KR" altLang="en-US" smtClean="0"/>
-              <a:t>2020-02-17</a:t>
+              <a:t>2020-02-28</a:t>
             </a:fld>
             <a:endParaRPr lang="ko-KR" altLang="en-US"/>
           </a:p>
@@ -2202,7 +2204,7 @@
           <a:p>
             <a:fld id="{3136136F-ECC5-495B-8B11-3D1CF5F3A3F9}" type="datetimeFigureOut">
               <a:rPr lang="ko-KR" altLang="en-US" smtClean="0"/>
-              <a:t>2020-02-17</a:t>
+              <a:t>2020-02-28</a:t>
             </a:fld>
             <a:endParaRPr lang="ko-KR" altLang="en-US"/>
           </a:p>
@@ -2320,7 +2322,7 @@
           <a:p>
             <a:fld id="{3136136F-ECC5-495B-8B11-3D1CF5F3A3F9}" type="datetimeFigureOut">
               <a:rPr lang="ko-KR" altLang="en-US" smtClean="0"/>
-              <a:t>2020-02-17</a:t>
+              <a:t>2020-02-28</a:t>
             </a:fld>
             <a:endParaRPr lang="ko-KR" altLang="en-US"/>
           </a:p>
@@ -2415,7 +2417,7 @@
           <a:p>
             <a:fld id="{3136136F-ECC5-495B-8B11-3D1CF5F3A3F9}" type="datetimeFigureOut">
               <a:rPr lang="ko-KR" altLang="en-US" smtClean="0"/>
-              <a:t>2020-02-17</a:t>
+              <a:t>2020-02-28</a:t>
             </a:fld>
             <a:endParaRPr lang="ko-KR" altLang="en-US"/>
           </a:p>
@@ -2692,7 +2694,7 @@
           <a:p>
             <a:fld id="{3136136F-ECC5-495B-8B11-3D1CF5F3A3F9}" type="datetimeFigureOut">
               <a:rPr lang="ko-KR" altLang="en-US" smtClean="0"/>
-              <a:t>2020-02-17</a:t>
+              <a:t>2020-02-28</a:t>
             </a:fld>
             <a:endParaRPr lang="ko-KR" altLang="en-US"/>
           </a:p>
@@ -2945,7 +2947,7 @@
           <a:p>
             <a:fld id="{3136136F-ECC5-495B-8B11-3D1CF5F3A3F9}" type="datetimeFigureOut">
               <a:rPr lang="ko-KR" altLang="en-US" smtClean="0"/>
-              <a:t>2020-02-17</a:t>
+              <a:t>2020-02-28</a:t>
             </a:fld>
             <a:endParaRPr lang="ko-KR" altLang="en-US"/>
           </a:p>
@@ -3158,7 +3160,7 @@
           <a:p>
             <a:fld id="{3136136F-ECC5-495B-8B11-3D1CF5F3A3F9}" type="datetimeFigureOut">
               <a:rPr lang="ko-KR" altLang="en-US" smtClean="0"/>
-              <a:t>2020-02-17</a:t>
+              <a:t>2020-02-28</a:t>
             </a:fld>
             <a:endParaRPr lang="ko-KR" altLang="en-US"/>
           </a:p>
@@ -4152,8 +4154,8 @@
         </p:nvSpPr>
         <p:spPr>
           <a:xfrm>
-            <a:off x="611560" y="980728"/>
-            <a:ext cx="1584176" cy="3416320"/>
+            <a:off x="611560" y="978408"/>
+            <a:ext cx="1584176" cy="3400931"/>
           </a:xfrm>
           <a:prstGeom prst="rect">
             <a:avLst/>
@@ -4177,31 +4179,35 @@
           </a:p>
           <a:p>
             <a:pPr algn="ctr"/>
-            <a:endParaRPr lang="en-US" altLang="ko-KR" dirty="0"/>
-          </a:p>
-          <a:p>
-            <a:pPr algn="ctr"/>
-            <a:r>
-              <a:rPr lang="ko-KR" altLang="en-US" dirty="0"/>
-              <a:t>메인 음식</a:t>
-            </a:r>
-            <a:endParaRPr lang="en-US" altLang="ko-KR" dirty="0"/>
-          </a:p>
-          <a:p>
-            <a:pPr algn="ctr"/>
-            <a:endParaRPr lang="en-US" altLang="ko-KR" dirty="0"/>
-          </a:p>
-          <a:p>
-            <a:pPr algn="ctr"/>
-            <a:r>
-              <a:rPr lang="ko-KR" altLang="en-US" dirty="0"/>
+            <a:endParaRPr lang="en-US" altLang="ko-KR" dirty="0" smtClean="0"/>
+          </a:p>
+          <a:p>
+            <a:pPr algn="ctr"/>
+            <a:endParaRPr lang="en-US" altLang="ko-KR" sz="1000" dirty="0"/>
+          </a:p>
+          <a:p>
+            <a:pPr algn="ctr"/>
+            <a:r>
+              <a:rPr lang="ko-KR" altLang="en-US" dirty="0" err="1" smtClean="0"/>
+              <a:t>덮밥류</a:t>
+            </a:r>
+            <a:endParaRPr lang="en-US" altLang="ko-KR" dirty="0" smtClean="0"/>
+          </a:p>
+          <a:p>
+            <a:pPr algn="ctr"/>
+            <a:endParaRPr lang="en-US" altLang="ko-KR" sz="3000" dirty="0"/>
+          </a:p>
+          <a:p>
+            <a:pPr algn="ctr"/>
+            <a:r>
+              <a:rPr lang="ko-KR" altLang="en-US" dirty="0" smtClean="0"/>
               <a:t>면류</a:t>
             </a:r>
-            <a:endParaRPr lang="en-US" altLang="ko-KR" dirty="0"/>
-          </a:p>
-          <a:p>
-            <a:pPr algn="ctr"/>
-            <a:endParaRPr lang="en-US" altLang="ko-KR" dirty="0"/>
+            <a:endParaRPr lang="en-US" altLang="ko-KR" dirty="0" smtClean="0"/>
+          </a:p>
+          <a:p>
+            <a:pPr algn="ctr"/>
+            <a:endParaRPr lang="en-US" altLang="ko-KR" sz="3000" dirty="0"/>
           </a:p>
           <a:p>
             <a:pPr algn="ctr"/>
@@ -4213,31 +4219,23 @@
           </a:p>
           <a:p>
             <a:pPr algn="ctr"/>
+            <a:endParaRPr lang="en-US" altLang="ko-KR" sz="1000" dirty="0" smtClean="0"/>
+          </a:p>
+          <a:p>
+            <a:pPr algn="ctr"/>
             <a:endParaRPr lang="en-US" altLang="ko-KR" dirty="0"/>
           </a:p>
           <a:p>
             <a:pPr algn="ctr"/>
             <a:r>
-              <a:rPr lang="ko-KR" altLang="en-US" dirty="0"/>
-              <a:t>캔 음료</a:t>
-            </a:r>
-            <a:endParaRPr lang="en-US" altLang="ko-KR" dirty="0"/>
-          </a:p>
-          <a:p>
-            <a:pPr algn="ctr"/>
-            <a:endParaRPr lang="en-US" altLang="ko-KR" dirty="0"/>
-          </a:p>
-          <a:p>
-            <a:pPr algn="ctr"/>
-            <a:r>
-              <a:rPr lang="ko-KR" altLang="en-US" dirty="0"/>
-              <a:t>카페음료</a:t>
-            </a:r>
-            <a:endParaRPr lang="en-US" altLang="ko-KR" dirty="0"/>
-          </a:p>
-          <a:p>
-            <a:pPr algn="ctr"/>
-            <a:endParaRPr lang="en-US" altLang="ko-KR" dirty="0"/>
+              <a:rPr lang="ko-KR" altLang="en-US" dirty="0" smtClean="0"/>
+              <a:t>음료</a:t>
+            </a:r>
+            <a:endParaRPr lang="en-US" altLang="ko-KR" dirty="0" smtClean="0"/>
+          </a:p>
+          <a:p>
+            <a:pPr algn="ctr"/>
+            <a:endParaRPr lang="en-US" altLang="ko-KR" sz="1000" dirty="0"/>
           </a:p>
         </p:txBody>
       </p:sp>
@@ -4286,26 +4284,21 @@
       </p:sp>
       <p:sp>
         <p:nvSpPr>
-          <p:cNvPr id="6" name="곱셈 기호 5"/>
+          <p:cNvPr id="7" name="직사각형 6"/>
           <p:cNvSpPr/>
           <p:nvPr/>
         </p:nvSpPr>
         <p:spPr>
           <a:xfrm>
-            <a:off x="8100392" y="116632"/>
-            <a:ext cx="324036" cy="432048"/>
-          </a:xfrm>
-          <a:prstGeom prst="mathMultiply">
+            <a:off x="611560" y="476672"/>
+            <a:ext cx="7776864" cy="504056"/>
+          </a:xfrm>
+          <a:prstGeom prst="rect">
             <a:avLst/>
           </a:prstGeom>
           <a:solidFill>
-            <a:schemeClr val="tx1"/>
+            <a:schemeClr val="bg2"/>
           </a:solidFill>
-          <a:ln>
-            <a:solidFill>
-              <a:schemeClr val="tx1"/>
-            </a:solidFill>
-          </a:ln>
         </p:spPr>
         <p:style>
           <a:lnRef idx="2">
@@ -4328,49 +4321,6 @@
           <a:lstStyle/>
           <a:p>
             <a:pPr algn="ctr"/>
-            <a:endParaRPr lang="ko-KR" altLang="en-US"/>
-          </a:p>
-        </p:txBody>
-      </p:sp>
-      <p:sp>
-        <p:nvSpPr>
-          <p:cNvPr id="7" name="직사각형 6"/>
-          <p:cNvSpPr/>
-          <p:nvPr/>
-        </p:nvSpPr>
-        <p:spPr>
-          <a:xfrm>
-            <a:off x="611560" y="476672"/>
-            <a:ext cx="7776864" cy="504056"/>
-          </a:xfrm>
-          <a:prstGeom prst="rect">
-            <a:avLst/>
-          </a:prstGeom>
-          <a:solidFill>
-            <a:schemeClr val="bg2"/>
-          </a:solidFill>
-        </p:spPr>
-        <p:style>
-          <a:lnRef idx="2">
-            <a:schemeClr val="accent1">
-              <a:shade val="50000"/>
-            </a:schemeClr>
-          </a:lnRef>
-          <a:fillRef idx="1">
-            <a:schemeClr val="accent1"/>
-          </a:fillRef>
-          <a:effectRef idx="0">
-            <a:schemeClr val="accent1"/>
-          </a:effectRef>
-          <a:fontRef idx="minor">
-            <a:schemeClr val="lt1"/>
-          </a:fontRef>
-        </p:style>
-        <p:txBody>
-          <a:bodyPr rtlCol="0" anchor="ctr"/>
-          <a:lstStyle/>
-          <a:p>
-            <a:pPr algn="ctr"/>
             <a:endParaRPr lang="ko-KR" altLang="en-US" dirty="0"/>
           </a:p>
         </p:txBody>
@@ -4414,7 +4364,7 @@
         </p:nvSpPr>
         <p:spPr>
           <a:xfrm>
-            <a:off x="5436096" y="539388"/>
+            <a:off x="6156176" y="539388"/>
             <a:ext cx="1584176" cy="369332"/>
           </a:xfrm>
           <a:prstGeom prst="rect">
@@ -4569,6 +4519,14 @@
           <a:p>
             <a:pPr algn="ctr"/>
             <a:r>
+              <a:rPr lang="ko-KR" altLang="en-US" dirty="0" smtClean="0">
+                <a:solidFill>
+                  <a:schemeClr val="tx1"/>
+                </a:solidFill>
+              </a:rPr>
+              <a:t>옆에 메뉴 </a:t>
+            </a:r>
+            <a:r>
               <a:rPr lang="ko-KR" altLang="en-US" dirty="0" err="1" smtClean="0">
                 <a:solidFill>
                   <a:schemeClr val="tx1"/>
@@ -4582,7 +4540,7 @@
                   <a:schemeClr val="tx1"/>
                 </a:solidFill>
               </a:rPr>
-              <a:t> 나올 사진</a:t>
+              <a:t> 그 해당 메뉴 나오게 하기 </a:t>
             </a:r>
             <a:endParaRPr lang="ko-KR" altLang="en-US" dirty="0">
               <a:solidFill>
@@ -4600,8 +4558,8 @@
         </p:nvSpPr>
         <p:spPr>
           <a:xfrm>
-            <a:off x="611560" y="4417241"/>
-            <a:ext cx="3672408" cy="1899506"/>
+            <a:off x="611560" y="4430891"/>
+            <a:ext cx="3672408" cy="1950437"/>
           </a:xfrm>
           <a:prstGeom prst="rect">
             <a:avLst/>
@@ -4631,20 +4589,20 @@
           <a:lstStyle/>
           <a:p>
             <a:pPr algn="ctr"/>
-            <a:r>
-              <a:rPr lang="ko-KR" altLang="en-US" dirty="0" smtClean="0">
-                <a:solidFill>
-                  <a:schemeClr val="tx1"/>
-                </a:solidFill>
-              </a:rPr>
-              <a:t>주문한 상품 목록</a:t>
-            </a:r>
-            <a:endParaRPr lang="ko-KR" altLang="en-US" dirty="0">
+            <a:endParaRPr lang="en-US" altLang="ko-KR" dirty="0">
               <a:solidFill>
                 <a:schemeClr val="tx1"/>
               </a:solidFill>
             </a:endParaRPr>
           </a:p>
+          <a:p>
+            <a:pPr algn="ctr"/>
+            <a:endParaRPr lang="en-US" altLang="ko-KR" dirty="0" smtClean="0">
+              <a:solidFill>
+                <a:schemeClr val="tx1"/>
+              </a:solidFill>
+            </a:endParaRPr>
+          </a:p>
         </p:txBody>
       </p:sp>
       <p:sp>
@@ -4655,8 +4613,8 @@
         </p:nvSpPr>
         <p:spPr>
           <a:xfrm>
-            <a:off x="4283968" y="4417241"/>
-            <a:ext cx="2088232" cy="1899506"/>
+            <a:off x="4283968" y="4797152"/>
+            <a:ext cx="2088232" cy="373415"/>
           </a:xfrm>
           <a:prstGeom prst="rect">
             <a:avLst/>
@@ -4687,14 +4645,30 @@
           <a:p>
             <a:pPr algn="ctr"/>
             <a:r>
-              <a:rPr lang="ko-KR" altLang="en-US" dirty="0" smtClean="0">
+              <a:rPr lang="ko-KR" altLang="en-US" sz="1200" dirty="0" smtClean="0">
                 <a:solidFill>
                   <a:schemeClr val="tx1"/>
                 </a:solidFill>
               </a:rPr>
-              <a:t>상품 결제</a:t>
-            </a:r>
-            <a:endParaRPr lang="ko-KR" altLang="en-US" dirty="0">
+              <a:t>현금으로 </a:t>
+            </a:r>
+            <a:r>
+              <a:rPr lang="ko-KR" altLang="en-US" sz="1200" dirty="0" err="1" smtClean="0">
+                <a:solidFill>
+                  <a:schemeClr val="tx1"/>
+                </a:solidFill>
+              </a:rPr>
+              <a:t>결제시</a:t>
+            </a:r>
+            <a:r>
+              <a:rPr lang="ko-KR" altLang="en-US" sz="1200" dirty="0" smtClean="0">
+                <a:solidFill>
+                  <a:schemeClr val="tx1"/>
+                </a:solidFill>
+              </a:rPr>
+              <a:t> 금액 선택</a:t>
+            </a:r>
+            <a:endParaRPr lang="ko-KR" altLang="en-US" sz="1200" dirty="0">
               <a:solidFill>
                 <a:schemeClr val="tx1"/>
               </a:solidFill>
@@ -4765,8 +4739,8 @@
         </p:nvSpPr>
         <p:spPr>
           <a:xfrm>
-            <a:off x="6372200" y="5366994"/>
-            <a:ext cx="2016224" cy="949753"/>
+            <a:off x="6372200" y="5157192"/>
+            <a:ext cx="2016224" cy="1230357"/>
           </a:xfrm>
           <a:prstGeom prst="rect">
             <a:avLst/>
@@ -4812,10 +4786,2096 @@
           </a:p>
         </p:txBody>
       </p:sp>
+      <p:sp>
+        <p:nvSpPr>
+          <p:cNvPr id="16" name="직사각형 15"/>
+          <p:cNvSpPr/>
+          <p:nvPr/>
+        </p:nvSpPr>
+        <p:spPr>
+          <a:xfrm>
+            <a:off x="6372200" y="4437112"/>
+            <a:ext cx="2016224" cy="728767"/>
+          </a:xfrm>
+          <a:prstGeom prst="rect">
+            <a:avLst/>
+          </a:prstGeom>
+          <a:solidFill>
+            <a:schemeClr val="bg1"/>
+          </a:solidFill>
+        </p:spPr>
+        <p:style>
+          <a:lnRef idx="2">
+            <a:schemeClr val="accent1">
+              <a:shade val="50000"/>
+            </a:schemeClr>
+          </a:lnRef>
+          <a:fillRef idx="1">
+            <a:schemeClr val="accent1"/>
+          </a:fillRef>
+          <a:effectRef idx="0">
+            <a:schemeClr val="accent1"/>
+          </a:effectRef>
+          <a:fontRef idx="minor">
+            <a:schemeClr val="lt1"/>
+          </a:fontRef>
+        </p:style>
+        <p:txBody>
+          <a:bodyPr rtlCol="0" anchor="ctr"/>
+          <a:lstStyle/>
+          <a:p>
+            <a:pPr algn="ctr"/>
+            <a:r>
+              <a:rPr lang="ko-KR" altLang="en-US" dirty="0" smtClean="0">
+                <a:solidFill>
+                  <a:schemeClr val="tx1"/>
+                </a:solidFill>
+              </a:rPr>
+              <a:t>가격</a:t>
+            </a:r>
+            <a:endParaRPr lang="ko-KR" altLang="en-US" dirty="0">
+              <a:solidFill>
+                <a:schemeClr val="tx1"/>
+              </a:solidFill>
+            </a:endParaRPr>
+          </a:p>
+        </p:txBody>
+      </p:sp>
+      <p:sp>
+        <p:nvSpPr>
+          <p:cNvPr id="18" name="직사각형 17"/>
+          <p:cNvSpPr/>
+          <p:nvPr/>
+        </p:nvSpPr>
+        <p:spPr>
+          <a:xfrm>
+            <a:off x="611560" y="4423737"/>
+            <a:ext cx="1022555" cy="373415"/>
+          </a:xfrm>
+          <a:prstGeom prst="rect">
+            <a:avLst/>
+          </a:prstGeom>
+          <a:solidFill>
+            <a:schemeClr val="bg1"/>
+          </a:solidFill>
+        </p:spPr>
+        <p:style>
+          <a:lnRef idx="2">
+            <a:schemeClr val="accent1">
+              <a:shade val="50000"/>
+            </a:schemeClr>
+          </a:lnRef>
+          <a:fillRef idx="1">
+            <a:schemeClr val="accent1"/>
+          </a:fillRef>
+          <a:effectRef idx="0">
+            <a:schemeClr val="accent1"/>
+          </a:effectRef>
+          <a:fontRef idx="minor">
+            <a:schemeClr val="lt1"/>
+          </a:fontRef>
+        </p:style>
+        <p:txBody>
+          <a:bodyPr rtlCol="0" anchor="ctr"/>
+          <a:lstStyle/>
+          <a:p>
+            <a:pPr algn="ctr"/>
+            <a:r>
+              <a:rPr lang="ko-KR" altLang="en-US" sz="1000" dirty="0" smtClean="0">
+                <a:solidFill>
+                  <a:schemeClr val="tx1"/>
+                </a:solidFill>
+              </a:rPr>
+              <a:t>상품주문목</a:t>
+            </a:r>
+            <a:r>
+              <a:rPr lang="ko-KR" altLang="en-US" sz="1000" dirty="0">
+                <a:solidFill>
+                  <a:schemeClr val="tx1"/>
+                </a:solidFill>
+              </a:rPr>
+              <a:t>록</a:t>
+            </a:r>
+          </a:p>
+        </p:txBody>
+      </p:sp>
+      <p:sp>
+        <p:nvSpPr>
+          <p:cNvPr id="19" name="직사각형 18"/>
+          <p:cNvSpPr/>
+          <p:nvPr/>
+        </p:nvSpPr>
+        <p:spPr>
+          <a:xfrm>
+            <a:off x="1634115" y="4423737"/>
+            <a:ext cx="849653" cy="373415"/>
+          </a:xfrm>
+          <a:prstGeom prst="rect">
+            <a:avLst/>
+          </a:prstGeom>
+          <a:solidFill>
+            <a:schemeClr val="bg1"/>
+          </a:solidFill>
+        </p:spPr>
+        <p:style>
+          <a:lnRef idx="2">
+            <a:schemeClr val="accent1">
+              <a:shade val="50000"/>
+            </a:schemeClr>
+          </a:lnRef>
+          <a:fillRef idx="1">
+            <a:schemeClr val="accent1"/>
+          </a:fillRef>
+          <a:effectRef idx="0">
+            <a:schemeClr val="accent1"/>
+          </a:effectRef>
+          <a:fontRef idx="minor">
+            <a:schemeClr val="lt1"/>
+          </a:fontRef>
+        </p:style>
+        <p:txBody>
+          <a:bodyPr rtlCol="0" anchor="ctr"/>
+          <a:lstStyle/>
+          <a:p>
+            <a:pPr algn="ctr"/>
+            <a:r>
+              <a:rPr lang="ko-KR" altLang="en-US" sz="800" dirty="0" smtClean="0">
+                <a:solidFill>
+                  <a:schemeClr val="tx1"/>
+                </a:solidFill>
+              </a:rPr>
+              <a:t>현</a:t>
+            </a:r>
+            <a:r>
+              <a:rPr lang="ko-KR" altLang="en-US" sz="800" dirty="0">
+                <a:solidFill>
+                  <a:schemeClr val="tx1"/>
+                </a:solidFill>
+              </a:rPr>
+              <a:t>재</a:t>
+            </a:r>
+            <a:r>
+              <a:rPr lang="ko-KR" altLang="en-US" sz="800" dirty="0" smtClean="0">
+                <a:solidFill>
+                  <a:schemeClr val="tx1"/>
+                </a:solidFill>
+              </a:rPr>
+              <a:t>주문목록</a:t>
+            </a:r>
+            <a:endParaRPr lang="ko-KR" altLang="en-US" sz="800" dirty="0">
+              <a:solidFill>
+                <a:schemeClr val="tx1"/>
+              </a:solidFill>
+            </a:endParaRPr>
+          </a:p>
+        </p:txBody>
+      </p:sp>
+      <p:sp>
+        <p:nvSpPr>
+          <p:cNvPr id="20" name="TextBox 19"/>
+          <p:cNvSpPr txBox="1"/>
+          <p:nvPr/>
+        </p:nvSpPr>
+        <p:spPr>
+          <a:xfrm>
+            <a:off x="611560" y="203114"/>
+            <a:ext cx="1584176" cy="246221"/>
+          </a:xfrm>
+          <a:prstGeom prst="rect">
+            <a:avLst/>
+          </a:prstGeom>
+          <a:noFill/>
+        </p:spPr>
+        <p:txBody>
+          <a:bodyPr wrap="square" rtlCol="0">
+            <a:spAutoFit/>
+          </a:bodyPr>
+          <a:lstStyle/>
+          <a:p>
+            <a:pPr algn="ctr"/>
+            <a:r>
+              <a:rPr lang="ko-KR" altLang="en-US" sz="1000" dirty="0" smtClean="0"/>
+              <a:t>상품주문</a:t>
+            </a:r>
+            <a:endParaRPr lang="ko-KR" altLang="en-US" sz="1000" dirty="0"/>
+          </a:p>
+        </p:txBody>
+      </p:sp>
+      <p:sp>
+        <p:nvSpPr>
+          <p:cNvPr id="2" name="덧셈 기호 1"/>
+          <p:cNvSpPr/>
+          <p:nvPr/>
+        </p:nvSpPr>
+        <p:spPr>
+          <a:xfrm>
+            <a:off x="2483768" y="4400780"/>
+            <a:ext cx="432048" cy="396372"/>
+          </a:xfrm>
+          <a:prstGeom prst="mathPlus">
+            <a:avLst/>
+          </a:prstGeom>
+        </p:spPr>
+        <p:style>
+          <a:lnRef idx="2">
+            <a:schemeClr val="accent1">
+              <a:shade val="50000"/>
+            </a:schemeClr>
+          </a:lnRef>
+          <a:fillRef idx="1">
+            <a:schemeClr val="accent1"/>
+          </a:fillRef>
+          <a:effectRef idx="0">
+            <a:schemeClr val="accent1"/>
+          </a:effectRef>
+          <a:fontRef idx="minor">
+            <a:schemeClr val="lt1"/>
+          </a:fontRef>
+        </p:style>
+        <p:txBody>
+          <a:bodyPr rtlCol="0" anchor="ctr"/>
+          <a:lstStyle/>
+          <a:p>
+            <a:pPr algn="ctr"/>
+            <a:endParaRPr lang="ko-KR" altLang="en-US"/>
+          </a:p>
+        </p:txBody>
+      </p:sp>
+      <p:sp>
+        <p:nvSpPr>
+          <p:cNvPr id="3" name="뺄셈 기호 2"/>
+          <p:cNvSpPr/>
+          <p:nvPr/>
+        </p:nvSpPr>
+        <p:spPr>
+          <a:xfrm>
+            <a:off x="2915816" y="4411960"/>
+            <a:ext cx="432048" cy="385192"/>
+          </a:xfrm>
+          <a:prstGeom prst="mathMinus">
+            <a:avLst/>
+          </a:prstGeom>
+        </p:spPr>
+        <p:style>
+          <a:lnRef idx="2">
+            <a:schemeClr val="accent1">
+              <a:shade val="50000"/>
+            </a:schemeClr>
+          </a:lnRef>
+          <a:fillRef idx="1">
+            <a:schemeClr val="accent1"/>
+          </a:fillRef>
+          <a:effectRef idx="0">
+            <a:schemeClr val="accent1"/>
+          </a:effectRef>
+          <a:fontRef idx="minor">
+            <a:schemeClr val="lt1"/>
+          </a:fontRef>
+        </p:style>
+        <p:txBody>
+          <a:bodyPr rtlCol="0" anchor="ctr"/>
+          <a:lstStyle/>
+          <a:p>
+            <a:pPr algn="ctr"/>
+            <a:endParaRPr lang="ko-KR" altLang="en-US"/>
+          </a:p>
+        </p:txBody>
+      </p:sp>
+      <p:sp>
+        <p:nvSpPr>
+          <p:cNvPr id="22" name="직사각형 21"/>
+          <p:cNvSpPr/>
+          <p:nvPr/>
+        </p:nvSpPr>
+        <p:spPr>
+          <a:xfrm>
+            <a:off x="611561" y="4792464"/>
+            <a:ext cx="1296143" cy="373415"/>
+          </a:xfrm>
+          <a:prstGeom prst="rect">
+            <a:avLst/>
+          </a:prstGeom>
+          <a:solidFill>
+            <a:schemeClr val="bg1"/>
+          </a:solidFill>
+        </p:spPr>
+        <p:style>
+          <a:lnRef idx="2">
+            <a:schemeClr val="accent1">
+              <a:shade val="50000"/>
+            </a:schemeClr>
+          </a:lnRef>
+          <a:fillRef idx="1">
+            <a:schemeClr val="accent1"/>
+          </a:fillRef>
+          <a:effectRef idx="0">
+            <a:schemeClr val="accent1"/>
+          </a:effectRef>
+          <a:fontRef idx="minor">
+            <a:schemeClr val="lt1"/>
+          </a:fontRef>
+        </p:style>
+        <p:txBody>
+          <a:bodyPr rtlCol="0" anchor="ctr"/>
+          <a:lstStyle/>
+          <a:p>
+            <a:pPr algn="ctr"/>
+            <a:r>
+              <a:rPr lang="ko-KR" altLang="en-US" sz="1000" dirty="0" smtClean="0">
+                <a:solidFill>
+                  <a:schemeClr val="tx1"/>
+                </a:solidFill>
+              </a:rPr>
+              <a:t>상품명</a:t>
+            </a:r>
+            <a:endParaRPr lang="ko-KR" altLang="en-US" sz="1000" dirty="0">
+              <a:solidFill>
+                <a:schemeClr val="tx1"/>
+              </a:solidFill>
+            </a:endParaRPr>
+          </a:p>
+        </p:txBody>
+      </p:sp>
+      <p:sp>
+        <p:nvSpPr>
+          <p:cNvPr id="23" name="직사각형 22"/>
+          <p:cNvSpPr/>
+          <p:nvPr/>
+        </p:nvSpPr>
+        <p:spPr>
+          <a:xfrm>
+            <a:off x="1907704" y="4797152"/>
+            <a:ext cx="1224136" cy="373415"/>
+          </a:xfrm>
+          <a:prstGeom prst="rect">
+            <a:avLst/>
+          </a:prstGeom>
+          <a:solidFill>
+            <a:schemeClr val="bg1"/>
+          </a:solidFill>
+        </p:spPr>
+        <p:style>
+          <a:lnRef idx="2">
+            <a:schemeClr val="accent1">
+              <a:shade val="50000"/>
+            </a:schemeClr>
+          </a:lnRef>
+          <a:fillRef idx="1">
+            <a:schemeClr val="accent1"/>
+          </a:fillRef>
+          <a:effectRef idx="0">
+            <a:schemeClr val="accent1"/>
+          </a:effectRef>
+          <a:fontRef idx="minor">
+            <a:schemeClr val="lt1"/>
+          </a:fontRef>
+        </p:style>
+        <p:txBody>
+          <a:bodyPr rtlCol="0" anchor="ctr"/>
+          <a:lstStyle/>
+          <a:p>
+            <a:pPr algn="ctr"/>
+            <a:r>
+              <a:rPr lang="ko-KR" altLang="en-US" sz="800" smtClean="0">
+                <a:solidFill>
+                  <a:schemeClr val="tx1"/>
+                </a:solidFill>
+              </a:rPr>
+              <a:t>판매금액</a:t>
+            </a:r>
+            <a:endParaRPr lang="ko-KR" altLang="en-US" sz="800" dirty="0">
+              <a:solidFill>
+                <a:schemeClr val="tx1"/>
+              </a:solidFill>
+            </a:endParaRPr>
+          </a:p>
+        </p:txBody>
+      </p:sp>
+      <p:sp>
+        <p:nvSpPr>
+          <p:cNvPr id="24" name="직사각형 23"/>
+          <p:cNvSpPr/>
+          <p:nvPr/>
+        </p:nvSpPr>
+        <p:spPr>
+          <a:xfrm>
+            <a:off x="3131840" y="4797152"/>
+            <a:ext cx="1152128" cy="373415"/>
+          </a:xfrm>
+          <a:prstGeom prst="rect">
+            <a:avLst/>
+          </a:prstGeom>
+          <a:solidFill>
+            <a:schemeClr val="bg1"/>
+          </a:solidFill>
+        </p:spPr>
+        <p:style>
+          <a:lnRef idx="2">
+            <a:schemeClr val="accent1">
+              <a:shade val="50000"/>
+            </a:schemeClr>
+          </a:lnRef>
+          <a:fillRef idx="1">
+            <a:schemeClr val="accent1"/>
+          </a:fillRef>
+          <a:effectRef idx="0">
+            <a:schemeClr val="accent1"/>
+          </a:effectRef>
+          <a:fontRef idx="minor">
+            <a:schemeClr val="lt1"/>
+          </a:fontRef>
+        </p:style>
+        <p:txBody>
+          <a:bodyPr rtlCol="0" anchor="ctr"/>
+          <a:lstStyle/>
+          <a:p>
+            <a:pPr algn="ctr"/>
+            <a:r>
+              <a:rPr lang="ko-KR" altLang="en-US" sz="800" dirty="0" smtClean="0">
+                <a:solidFill>
+                  <a:schemeClr val="tx1"/>
+                </a:solidFill>
+              </a:rPr>
+              <a:t>수량</a:t>
+            </a:r>
+            <a:endParaRPr lang="ko-KR" altLang="en-US" sz="800" dirty="0">
+              <a:solidFill>
+                <a:schemeClr val="tx1"/>
+              </a:solidFill>
+            </a:endParaRPr>
+          </a:p>
+        </p:txBody>
+      </p:sp>
+      <p:sp>
+        <p:nvSpPr>
+          <p:cNvPr id="25" name="직사각형 24"/>
+          <p:cNvSpPr/>
+          <p:nvPr/>
+        </p:nvSpPr>
+        <p:spPr>
+          <a:xfrm>
+            <a:off x="4283968" y="5170567"/>
+            <a:ext cx="2088232" cy="1216981"/>
+          </a:xfrm>
+          <a:prstGeom prst="rect">
+            <a:avLst/>
+          </a:prstGeom>
+          <a:solidFill>
+            <a:schemeClr val="bg1"/>
+          </a:solidFill>
+        </p:spPr>
+        <p:style>
+          <a:lnRef idx="2">
+            <a:schemeClr val="accent1">
+              <a:shade val="50000"/>
+            </a:schemeClr>
+          </a:lnRef>
+          <a:fillRef idx="1">
+            <a:schemeClr val="accent1"/>
+          </a:fillRef>
+          <a:effectRef idx="0">
+            <a:schemeClr val="accent1"/>
+          </a:effectRef>
+          <a:fontRef idx="minor">
+            <a:schemeClr val="lt1"/>
+          </a:fontRef>
+        </p:style>
+        <p:txBody>
+          <a:bodyPr rtlCol="0" anchor="ctr"/>
+          <a:lstStyle/>
+          <a:p>
+            <a:pPr algn="ctr"/>
+            <a:r>
+              <a:rPr lang="ko-KR" altLang="en-US" sz="1700" dirty="0" smtClean="0">
+                <a:solidFill>
+                  <a:schemeClr val="tx1"/>
+                </a:solidFill>
+              </a:rPr>
+              <a:t>직원에게 요청사항</a:t>
+            </a:r>
+            <a:endParaRPr lang="ko-KR" altLang="en-US" sz="1700" dirty="0">
+              <a:solidFill>
+                <a:schemeClr val="tx1"/>
+              </a:solidFill>
+            </a:endParaRPr>
+          </a:p>
+        </p:txBody>
+      </p:sp>
+      <p:sp>
+        <p:nvSpPr>
+          <p:cNvPr id="26" name="직사각형 25"/>
+          <p:cNvSpPr/>
+          <p:nvPr/>
+        </p:nvSpPr>
+        <p:spPr>
+          <a:xfrm>
+            <a:off x="4283968" y="4437112"/>
+            <a:ext cx="1008112" cy="373415"/>
+          </a:xfrm>
+          <a:prstGeom prst="rect">
+            <a:avLst/>
+          </a:prstGeom>
+          <a:solidFill>
+            <a:schemeClr val="bg1"/>
+          </a:solidFill>
+        </p:spPr>
+        <p:style>
+          <a:lnRef idx="2">
+            <a:schemeClr val="accent1">
+              <a:shade val="50000"/>
+            </a:schemeClr>
+          </a:lnRef>
+          <a:fillRef idx="1">
+            <a:schemeClr val="accent1"/>
+          </a:fillRef>
+          <a:effectRef idx="0">
+            <a:schemeClr val="accent1"/>
+          </a:effectRef>
+          <a:fontRef idx="minor">
+            <a:schemeClr val="lt1"/>
+          </a:fontRef>
+        </p:style>
+        <p:txBody>
+          <a:bodyPr rtlCol="0" anchor="ctr"/>
+          <a:lstStyle/>
+          <a:p>
+            <a:pPr algn="ctr"/>
+            <a:r>
+              <a:rPr lang="ko-KR" altLang="en-US" sz="800" dirty="0" smtClean="0">
+                <a:solidFill>
+                  <a:schemeClr val="tx1"/>
+                </a:solidFill>
+              </a:rPr>
+              <a:t>카</a:t>
+            </a:r>
+            <a:r>
+              <a:rPr lang="ko-KR" altLang="en-US" sz="800" dirty="0">
+                <a:solidFill>
+                  <a:schemeClr val="tx1"/>
+                </a:solidFill>
+              </a:rPr>
+              <a:t>드</a:t>
+            </a:r>
+          </a:p>
+        </p:txBody>
+      </p:sp>
+      <p:sp>
+        <p:nvSpPr>
+          <p:cNvPr id="28" name="직사각형 27"/>
+          <p:cNvSpPr/>
+          <p:nvPr/>
+        </p:nvSpPr>
+        <p:spPr>
+          <a:xfrm>
+            <a:off x="5292080" y="4437112"/>
+            <a:ext cx="1080119" cy="373415"/>
+          </a:xfrm>
+          <a:prstGeom prst="rect">
+            <a:avLst/>
+          </a:prstGeom>
+          <a:solidFill>
+            <a:schemeClr val="bg1"/>
+          </a:solidFill>
+        </p:spPr>
+        <p:style>
+          <a:lnRef idx="2">
+            <a:schemeClr val="accent1">
+              <a:shade val="50000"/>
+            </a:schemeClr>
+          </a:lnRef>
+          <a:fillRef idx="1">
+            <a:schemeClr val="accent1"/>
+          </a:fillRef>
+          <a:effectRef idx="0">
+            <a:schemeClr val="accent1"/>
+          </a:effectRef>
+          <a:fontRef idx="minor">
+            <a:schemeClr val="lt1"/>
+          </a:fontRef>
+        </p:style>
+        <p:txBody>
+          <a:bodyPr rtlCol="0" anchor="ctr"/>
+          <a:lstStyle/>
+          <a:p>
+            <a:pPr algn="ctr"/>
+            <a:r>
+              <a:rPr lang="ko-KR" altLang="en-US" sz="800" dirty="0" smtClean="0">
+                <a:solidFill>
+                  <a:schemeClr val="tx1"/>
+                </a:solidFill>
+              </a:rPr>
+              <a:t>현금</a:t>
+            </a:r>
+            <a:endParaRPr lang="ko-KR" altLang="en-US" sz="800" dirty="0">
+              <a:solidFill>
+                <a:schemeClr val="tx1"/>
+              </a:solidFill>
+            </a:endParaRPr>
+          </a:p>
+        </p:txBody>
+      </p:sp>
+      <p:sp>
+        <p:nvSpPr>
+          <p:cNvPr id="30" name="직사각형 29"/>
+          <p:cNvSpPr/>
+          <p:nvPr/>
+        </p:nvSpPr>
+        <p:spPr>
+          <a:xfrm>
+            <a:off x="618644" y="5157192"/>
+            <a:ext cx="3658239" cy="464547"/>
+          </a:xfrm>
+          <a:prstGeom prst="rect">
+            <a:avLst/>
+          </a:prstGeom>
+          <a:solidFill>
+            <a:schemeClr val="bg1"/>
+          </a:solidFill>
+        </p:spPr>
+        <p:style>
+          <a:lnRef idx="2">
+            <a:schemeClr val="accent1">
+              <a:shade val="50000"/>
+            </a:schemeClr>
+          </a:lnRef>
+          <a:fillRef idx="1">
+            <a:schemeClr val="accent1"/>
+          </a:fillRef>
+          <a:effectRef idx="0">
+            <a:schemeClr val="accent1"/>
+          </a:effectRef>
+          <a:fontRef idx="minor">
+            <a:schemeClr val="lt1"/>
+          </a:fontRef>
+        </p:style>
+        <p:txBody>
+          <a:bodyPr rtlCol="0" anchor="ctr"/>
+          <a:lstStyle/>
+          <a:p>
+            <a:pPr algn="ctr"/>
+            <a:r>
+              <a:rPr lang="ko-KR" altLang="en-US" sz="1200" dirty="0">
+                <a:solidFill>
+                  <a:schemeClr val="tx1"/>
+                </a:solidFill>
+              </a:rPr>
+              <a:t>주문한 상품 목록</a:t>
+            </a:r>
+            <a:endParaRPr lang="en-US" altLang="ko-KR" sz="1200" dirty="0">
+              <a:solidFill>
+                <a:schemeClr val="tx1"/>
+              </a:solidFill>
+            </a:endParaRPr>
+          </a:p>
+        </p:txBody>
+      </p:sp>
+      <p:sp>
+        <p:nvSpPr>
+          <p:cNvPr id="6" name="곱셈 기호 5"/>
+          <p:cNvSpPr/>
+          <p:nvPr/>
+        </p:nvSpPr>
+        <p:spPr>
+          <a:xfrm>
+            <a:off x="3885741" y="5187660"/>
+            <a:ext cx="391142" cy="373966"/>
+          </a:xfrm>
+          <a:prstGeom prst="mathMultiply">
+            <a:avLst/>
+          </a:prstGeom>
+        </p:spPr>
+        <p:style>
+          <a:lnRef idx="2">
+            <a:schemeClr val="accent1">
+              <a:shade val="50000"/>
+            </a:schemeClr>
+          </a:lnRef>
+          <a:fillRef idx="1">
+            <a:schemeClr val="accent1"/>
+          </a:fillRef>
+          <a:effectRef idx="0">
+            <a:schemeClr val="accent1"/>
+          </a:effectRef>
+          <a:fontRef idx="minor">
+            <a:schemeClr val="lt1"/>
+          </a:fontRef>
+        </p:style>
+        <p:txBody>
+          <a:bodyPr rtlCol="0" anchor="ctr"/>
+          <a:lstStyle/>
+          <a:p>
+            <a:pPr algn="ctr"/>
+            <a:endParaRPr lang="ko-KR" altLang="en-US"/>
+          </a:p>
+        </p:txBody>
+      </p:sp>
+      <p:sp>
+        <p:nvSpPr>
+          <p:cNvPr id="31" name="직사각형 30"/>
+          <p:cNvSpPr/>
+          <p:nvPr/>
+        </p:nvSpPr>
+        <p:spPr>
+          <a:xfrm>
+            <a:off x="618644" y="5561626"/>
+            <a:ext cx="3658239" cy="434079"/>
+          </a:xfrm>
+          <a:prstGeom prst="rect">
+            <a:avLst/>
+          </a:prstGeom>
+          <a:solidFill>
+            <a:schemeClr val="bg1"/>
+          </a:solidFill>
+        </p:spPr>
+        <p:style>
+          <a:lnRef idx="2">
+            <a:schemeClr val="accent1">
+              <a:shade val="50000"/>
+            </a:schemeClr>
+          </a:lnRef>
+          <a:fillRef idx="1">
+            <a:schemeClr val="accent1"/>
+          </a:fillRef>
+          <a:effectRef idx="0">
+            <a:schemeClr val="accent1"/>
+          </a:effectRef>
+          <a:fontRef idx="minor">
+            <a:schemeClr val="lt1"/>
+          </a:fontRef>
+        </p:style>
+        <p:txBody>
+          <a:bodyPr rtlCol="0" anchor="ctr"/>
+          <a:lstStyle/>
+          <a:p>
+            <a:pPr algn="ctr"/>
+            <a:r>
+              <a:rPr lang="ko-KR" altLang="en-US" sz="1200" dirty="0">
+                <a:solidFill>
+                  <a:schemeClr val="tx1"/>
+                </a:solidFill>
+              </a:rPr>
+              <a:t>주문한 상품 목록</a:t>
+            </a:r>
+            <a:endParaRPr lang="en-US" altLang="ko-KR" sz="1200" dirty="0">
+              <a:solidFill>
+                <a:schemeClr val="tx1"/>
+              </a:solidFill>
+            </a:endParaRPr>
+          </a:p>
+        </p:txBody>
+      </p:sp>
+      <p:sp>
+        <p:nvSpPr>
+          <p:cNvPr id="32" name="곱셈 기호 31"/>
+          <p:cNvSpPr/>
+          <p:nvPr/>
+        </p:nvSpPr>
+        <p:spPr>
+          <a:xfrm>
+            <a:off x="3885740" y="5561625"/>
+            <a:ext cx="398227" cy="385623"/>
+          </a:xfrm>
+          <a:prstGeom prst="mathMultiply">
+            <a:avLst/>
+          </a:prstGeom>
+        </p:spPr>
+        <p:style>
+          <a:lnRef idx="2">
+            <a:schemeClr val="accent1">
+              <a:shade val="50000"/>
+            </a:schemeClr>
+          </a:lnRef>
+          <a:fillRef idx="1">
+            <a:schemeClr val="accent1"/>
+          </a:fillRef>
+          <a:effectRef idx="0">
+            <a:schemeClr val="accent1"/>
+          </a:effectRef>
+          <a:fontRef idx="minor">
+            <a:schemeClr val="lt1"/>
+          </a:fontRef>
+        </p:style>
+        <p:txBody>
+          <a:bodyPr rtlCol="0" anchor="ctr"/>
+          <a:lstStyle/>
+          <a:p>
+            <a:pPr algn="ctr"/>
+            <a:endParaRPr lang="ko-KR" altLang="en-US"/>
+          </a:p>
+        </p:txBody>
+      </p:sp>
+      <p:sp>
+        <p:nvSpPr>
+          <p:cNvPr id="33" name="직사각형 32"/>
+          <p:cNvSpPr/>
+          <p:nvPr/>
+        </p:nvSpPr>
+        <p:spPr>
+          <a:xfrm>
+            <a:off x="618644" y="5947249"/>
+            <a:ext cx="3658239" cy="434079"/>
+          </a:xfrm>
+          <a:prstGeom prst="rect">
+            <a:avLst/>
+          </a:prstGeom>
+          <a:solidFill>
+            <a:schemeClr val="bg1"/>
+          </a:solidFill>
+        </p:spPr>
+        <p:style>
+          <a:lnRef idx="2">
+            <a:schemeClr val="accent1">
+              <a:shade val="50000"/>
+            </a:schemeClr>
+          </a:lnRef>
+          <a:fillRef idx="1">
+            <a:schemeClr val="accent1"/>
+          </a:fillRef>
+          <a:effectRef idx="0">
+            <a:schemeClr val="accent1"/>
+          </a:effectRef>
+          <a:fontRef idx="minor">
+            <a:schemeClr val="lt1"/>
+          </a:fontRef>
+        </p:style>
+        <p:txBody>
+          <a:bodyPr rtlCol="0" anchor="ctr"/>
+          <a:lstStyle/>
+          <a:p>
+            <a:pPr algn="ctr"/>
+            <a:r>
+              <a:rPr lang="ko-KR" altLang="en-US" sz="1200" dirty="0">
+                <a:solidFill>
+                  <a:schemeClr val="tx1"/>
+                </a:solidFill>
+              </a:rPr>
+              <a:t>주문한 상품 목록</a:t>
+            </a:r>
+            <a:endParaRPr lang="en-US" altLang="ko-KR" sz="1200" dirty="0">
+              <a:solidFill>
+                <a:schemeClr val="tx1"/>
+              </a:solidFill>
+            </a:endParaRPr>
+          </a:p>
+        </p:txBody>
+      </p:sp>
+      <p:sp>
+        <p:nvSpPr>
+          <p:cNvPr id="34" name="곱셈 기호 33"/>
+          <p:cNvSpPr/>
+          <p:nvPr/>
+        </p:nvSpPr>
+        <p:spPr>
+          <a:xfrm>
+            <a:off x="3885741" y="5947248"/>
+            <a:ext cx="391142" cy="434079"/>
+          </a:xfrm>
+          <a:prstGeom prst="mathMultiply">
+            <a:avLst/>
+          </a:prstGeom>
+        </p:spPr>
+        <p:style>
+          <a:lnRef idx="2">
+            <a:schemeClr val="accent1">
+              <a:shade val="50000"/>
+            </a:schemeClr>
+          </a:lnRef>
+          <a:fillRef idx="1">
+            <a:schemeClr val="accent1"/>
+          </a:fillRef>
+          <a:effectRef idx="0">
+            <a:schemeClr val="accent1"/>
+          </a:effectRef>
+          <a:fontRef idx="minor">
+            <a:schemeClr val="lt1"/>
+          </a:fontRef>
+        </p:style>
+        <p:txBody>
+          <a:bodyPr rtlCol="0" anchor="ctr"/>
+          <a:lstStyle/>
+          <a:p>
+            <a:pPr algn="ctr"/>
+            <a:endParaRPr lang="ko-KR" altLang="en-US"/>
+          </a:p>
+        </p:txBody>
+      </p:sp>
+    </p:spTree>
+    <p:extLst>
+      <p:ext uri="{BB962C8B-B14F-4D97-AF65-F5344CB8AC3E}">
+        <p14:creationId xmlns:p14="http://schemas.microsoft.com/office/powerpoint/2010/main" val="262477562"/>
+      </p:ext>
+    </p:extLst>
+  </p:cSld>
+  <p:clrMapOvr>
+    <a:masterClrMapping/>
+  </p:clrMapOvr>
+  <p:timing>
+    <p:tnLst>
+      <p:par>
+        <p:cTn id="1" dur="indefinite" restart="never" nodeType="tmRoot"/>
+      </p:par>
+    </p:tnLst>
+  </p:timing>
+</p:sld>
+</file>
+
+<file path=ppt/slides/slide3.xml><?xml version="1.0" encoding="utf-8"?>
+<p:sld xmlns:a="http://schemas.openxmlformats.org/drawingml/2006/main" xmlns:r="http://schemas.openxmlformats.org/officeDocument/2006/relationships" xmlns:p="http://schemas.openxmlformats.org/presentationml/2006/main">
+  <p:cSld>
+    <p:spTree>
+      <p:nvGrpSpPr>
+        <p:cNvPr id="1" name=""/>
+        <p:cNvGrpSpPr/>
+        <p:nvPr/>
+      </p:nvGrpSpPr>
+      <p:grpSpPr>
+        <a:xfrm>
+          <a:off x="0" y="0"/>
+          <a:ext cx="0" cy="0"/>
+          <a:chOff x="0" y="0"/>
+          <a:chExt cx="0" cy="0"/>
+        </a:xfrm>
+      </p:grpSpPr>
+      <p:sp>
+        <p:nvSpPr>
+          <p:cNvPr id="12" name="직사각형 11"/>
+          <p:cNvSpPr/>
+          <p:nvPr/>
+        </p:nvSpPr>
+        <p:spPr>
+          <a:xfrm>
+            <a:off x="-40434" y="1229032"/>
+            <a:ext cx="9180512" cy="4576232"/>
+          </a:xfrm>
+          <a:prstGeom prst="rect">
+            <a:avLst/>
+          </a:prstGeom>
+          <a:solidFill>
+            <a:schemeClr val="bg1"/>
+          </a:solidFill>
+        </p:spPr>
+        <p:style>
+          <a:lnRef idx="2">
+            <a:schemeClr val="accent1">
+              <a:shade val="50000"/>
+            </a:schemeClr>
+          </a:lnRef>
+          <a:fillRef idx="1">
+            <a:schemeClr val="accent1"/>
+          </a:fillRef>
+          <a:effectRef idx="0">
+            <a:schemeClr val="accent1"/>
+          </a:effectRef>
+          <a:fontRef idx="minor">
+            <a:schemeClr val="lt1"/>
+          </a:fontRef>
+        </p:style>
+        <p:txBody>
+          <a:bodyPr rtlCol="0" anchor="ctr"/>
+          <a:lstStyle/>
+          <a:p>
+            <a:pPr algn="ctr"/>
+            <a:endParaRPr lang="ko-KR" altLang="en-US" dirty="0">
+              <a:solidFill>
+                <a:schemeClr val="tx1"/>
+              </a:solidFill>
+            </a:endParaRPr>
+          </a:p>
+        </p:txBody>
+      </p:sp>
+      <p:sp>
+        <p:nvSpPr>
+          <p:cNvPr id="22" name="직사각형 21"/>
+          <p:cNvSpPr/>
+          <p:nvPr/>
+        </p:nvSpPr>
+        <p:spPr>
+          <a:xfrm>
+            <a:off x="-25528" y="2132856"/>
+            <a:ext cx="3090709" cy="2160240"/>
+          </a:xfrm>
+          <a:prstGeom prst="rect">
+            <a:avLst/>
+          </a:prstGeom>
+          <a:solidFill>
+            <a:schemeClr val="bg1"/>
+          </a:solidFill>
+        </p:spPr>
+        <p:style>
+          <a:lnRef idx="2">
+            <a:schemeClr val="accent1">
+              <a:shade val="50000"/>
+            </a:schemeClr>
+          </a:lnRef>
+          <a:fillRef idx="1">
+            <a:schemeClr val="accent1"/>
+          </a:fillRef>
+          <a:effectRef idx="0">
+            <a:schemeClr val="accent1"/>
+          </a:effectRef>
+          <a:fontRef idx="minor">
+            <a:schemeClr val="lt1"/>
+          </a:fontRef>
+        </p:style>
+        <p:txBody>
+          <a:bodyPr rtlCol="0" anchor="ctr"/>
+          <a:lstStyle/>
+          <a:p>
+            <a:pPr algn="ctr"/>
+            <a:r>
+              <a:rPr lang="ko-KR" altLang="en-US" sz="2000" dirty="0" smtClean="0">
+                <a:solidFill>
+                  <a:schemeClr val="tx1"/>
+                </a:solidFill>
+              </a:rPr>
+              <a:t>메뉴 그림</a:t>
+            </a:r>
+            <a:endParaRPr lang="en-US" altLang="ko-KR" sz="2000" dirty="0" smtClean="0">
+              <a:solidFill>
+                <a:schemeClr val="tx1"/>
+              </a:solidFill>
+            </a:endParaRPr>
+          </a:p>
+          <a:p>
+            <a:pPr algn="ctr"/>
+            <a:endParaRPr lang="en-US" altLang="ko-KR" sz="2000" dirty="0">
+              <a:solidFill>
+                <a:schemeClr val="tx1"/>
+              </a:solidFill>
+            </a:endParaRPr>
+          </a:p>
+          <a:p>
+            <a:pPr algn="ctr"/>
+            <a:endParaRPr lang="en-US" altLang="ko-KR" sz="2000" dirty="0" smtClean="0">
+              <a:solidFill>
+                <a:schemeClr val="tx1"/>
+              </a:solidFill>
+            </a:endParaRPr>
+          </a:p>
+          <a:p>
+            <a:pPr algn="ctr"/>
+            <a:endParaRPr lang="ko-KR" altLang="en-US" sz="2000" dirty="0">
+              <a:solidFill>
+                <a:schemeClr val="tx1"/>
+              </a:solidFill>
+            </a:endParaRPr>
+          </a:p>
+        </p:txBody>
+      </p:sp>
+      <p:sp>
+        <p:nvSpPr>
+          <p:cNvPr id="24" name="직사각형 23"/>
+          <p:cNvSpPr/>
+          <p:nvPr/>
+        </p:nvSpPr>
+        <p:spPr>
+          <a:xfrm>
+            <a:off x="-36512" y="4005064"/>
+            <a:ext cx="3101693" cy="576064"/>
+          </a:xfrm>
+          <a:prstGeom prst="rect">
+            <a:avLst/>
+          </a:prstGeom>
+          <a:solidFill>
+            <a:schemeClr val="bg1"/>
+          </a:solidFill>
+        </p:spPr>
+        <p:style>
+          <a:lnRef idx="2">
+            <a:schemeClr val="accent1">
+              <a:shade val="50000"/>
+            </a:schemeClr>
+          </a:lnRef>
+          <a:fillRef idx="1">
+            <a:schemeClr val="accent1"/>
+          </a:fillRef>
+          <a:effectRef idx="0">
+            <a:schemeClr val="accent1"/>
+          </a:effectRef>
+          <a:fontRef idx="minor">
+            <a:schemeClr val="lt1"/>
+          </a:fontRef>
+        </p:style>
+        <p:txBody>
+          <a:bodyPr rtlCol="0" anchor="ctr"/>
+          <a:lstStyle/>
+          <a:p>
+            <a:pPr algn="ctr"/>
+            <a:r>
+              <a:rPr lang="ko-KR" altLang="en-US" sz="2000" dirty="0" smtClean="0">
+                <a:solidFill>
+                  <a:schemeClr val="tx1"/>
+                </a:solidFill>
+              </a:rPr>
+              <a:t>수량</a:t>
+            </a:r>
+            <a:endParaRPr lang="ko-KR" altLang="en-US" sz="2000" dirty="0">
+              <a:solidFill>
+                <a:schemeClr val="tx1"/>
+              </a:solidFill>
+            </a:endParaRPr>
+          </a:p>
+        </p:txBody>
+      </p:sp>
+      <p:sp>
+        <p:nvSpPr>
+          <p:cNvPr id="29" name="직사각형 28"/>
+          <p:cNvSpPr/>
+          <p:nvPr/>
+        </p:nvSpPr>
+        <p:spPr>
+          <a:xfrm>
+            <a:off x="-36512" y="0"/>
+            <a:ext cx="2905829" cy="695893"/>
+          </a:xfrm>
+          <a:prstGeom prst="rect">
+            <a:avLst/>
+          </a:prstGeom>
+          <a:solidFill>
+            <a:schemeClr val="bg1"/>
+          </a:solidFill>
+        </p:spPr>
+        <p:style>
+          <a:lnRef idx="2">
+            <a:schemeClr val="accent1">
+              <a:shade val="50000"/>
+            </a:schemeClr>
+          </a:lnRef>
+          <a:fillRef idx="1">
+            <a:schemeClr val="accent1"/>
+          </a:fillRef>
+          <a:effectRef idx="0">
+            <a:schemeClr val="accent1"/>
+          </a:effectRef>
+          <a:fontRef idx="minor">
+            <a:schemeClr val="lt1"/>
+          </a:fontRef>
+        </p:style>
+        <p:txBody>
+          <a:bodyPr rtlCol="0" anchor="ctr"/>
+          <a:lstStyle/>
+          <a:p>
+            <a:pPr algn="ctr"/>
+            <a:r>
+              <a:rPr lang="ko-KR" altLang="en-US" sz="2000" dirty="0" smtClean="0">
+                <a:solidFill>
+                  <a:schemeClr val="tx1"/>
+                </a:solidFill>
+              </a:rPr>
+              <a:t>해당메뉴 </a:t>
+            </a:r>
+            <a:r>
+              <a:rPr lang="ko-KR" altLang="en-US" sz="2000" dirty="0" err="1" smtClean="0">
+                <a:solidFill>
+                  <a:schemeClr val="tx1"/>
+                </a:solidFill>
+              </a:rPr>
+              <a:t>클릭시</a:t>
+            </a:r>
+            <a:endParaRPr lang="en-US" altLang="ko-KR" sz="2000" dirty="0" smtClean="0">
+              <a:solidFill>
+                <a:schemeClr val="tx1"/>
+              </a:solidFill>
+            </a:endParaRPr>
+          </a:p>
+        </p:txBody>
+      </p:sp>
+      <p:sp>
+        <p:nvSpPr>
+          <p:cNvPr id="30" name="직사각형 29"/>
+          <p:cNvSpPr/>
+          <p:nvPr/>
+        </p:nvSpPr>
+        <p:spPr>
+          <a:xfrm>
+            <a:off x="-36512" y="3546334"/>
+            <a:ext cx="3101693" cy="458730"/>
+          </a:xfrm>
+          <a:prstGeom prst="rect">
+            <a:avLst/>
+          </a:prstGeom>
+          <a:solidFill>
+            <a:schemeClr val="bg1"/>
+          </a:solidFill>
+        </p:spPr>
+        <p:style>
+          <a:lnRef idx="2">
+            <a:schemeClr val="accent1">
+              <a:shade val="50000"/>
+            </a:schemeClr>
+          </a:lnRef>
+          <a:fillRef idx="1">
+            <a:schemeClr val="accent1"/>
+          </a:fillRef>
+          <a:effectRef idx="0">
+            <a:schemeClr val="accent1"/>
+          </a:effectRef>
+          <a:fontRef idx="minor">
+            <a:schemeClr val="lt1"/>
+          </a:fontRef>
+        </p:style>
+        <p:txBody>
+          <a:bodyPr rtlCol="0" anchor="ctr"/>
+          <a:lstStyle/>
+          <a:p>
+            <a:pPr algn="ctr"/>
+            <a:r>
+              <a:rPr lang="ko-KR" altLang="en-US" sz="2000" dirty="0" smtClean="0">
+                <a:solidFill>
+                  <a:schemeClr val="tx1"/>
+                </a:solidFill>
+              </a:rPr>
+              <a:t>메뉴 이름</a:t>
+            </a:r>
+            <a:r>
+              <a:rPr lang="en-US" altLang="ko-KR" sz="2000" dirty="0" smtClean="0">
+                <a:solidFill>
+                  <a:schemeClr val="tx1"/>
+                </a:solidFill>
+              </a:rPr>
+              <a:t>, </a:t>
+            </a:r>
+            <a:r>
+              <a:rPr lang="ko-KR" altLang="en-US" sz="2000" dirty="0" smtClean="0">
+                <a:solidFill>
+                  <a:schemeClr val="tx1"/>
+                </a:solidFill>
+              </a:rPr>
+              <a:t>가격</a:t>
+            </a:r>
+            <a:endParaRPr lang="ko-KR" altLang="en-US" sz="2000" dirty="0">
+              <a:solidFill>
+                <a:schemeClr val="tx1"/>
+              </a:solidFill>
+            </a:endParaRPr>
+          </a:p>
+        </p:txBody>
+      </p:sp>
+      <p:sp>
+        <p:nvSpPr>
+          <p:cNvPr id="31" name="직사각형 30"/>
+          <p:cNvSpPr/>
+          <p:nvPr/>
+        </p:nvSpPr>
+        <p:spPr>
+          <a:xfrm>
+            <a:off x="3056003" y="2132856"/>
+            <a:ext cx="3090709" cy="2160240"/>
+          </a:xfrm>
+          <a:prstGeom prst="rect">
+            <a:avLst/>
+          </a:prstGeom>
+          <a:solidFill>
+            <a:schemeClr val="bg1"/>
+          </a:solidFill>
+        </p:spPr>
+        <p:style>
+          <a:lnRef idx="2">
+            <a:schemeClr val="accent1">
+              <a:shade val="50000"/>
+            </a:schemeClr>
+          </a:lnRef>
+          <a:fillRef idx="1">
+            <a:schemeClr val="accent1"/>
+          </a:fillRef>
+          <a:effectRef idx="0">
+            <a:schemeClr val="accent1"/>
+          </a:effectRef>
+          <a:fontRef idx="minor">
+            <a:schemeClr val="lt1"/>
+          </a:fontRef>
+        </p:style>
+        <p:txBody>
+          <a:bodyPr rtlCol="0" anchor="ctr"/>
+          <a:lstStyle/>
+          <a:p>
+            <a:pPr algn="ctr"/>
+            <a:r>
+              <a:rPr lang="ko-KR" altLang="en-US" sz="2000" dirty="0" smtClean="0">
+                <a:solidFill>
+                  <a:schemeClr val="tx1"/>
+                </a:solidFill>
+              </a:rPr>
+              <a:t>메뉴 그림</a:t>
+            </a:r>
+            <a:endParaRPr lang="en-US" altLang="ko-KR" sz="2000" dirty="0" smtClean="0">
+              <a:solidFill>
+                <a:schemeClr val="tx1"/>
+              </a:solidFill>
+            </a:endParaRPr>
+          </a:p>
+          <a:p>
+            <a:pPr algn="ctr"/>
+            <a:endParaRPr lang="en-US" altLang="ko-KR" sz="2000" dirty="0">
+              <a:solidFill>
+                <a:schemeClr val="tx1"/>
+              </a:solidFill>
+            </a:endParaRPr>
+          </a:p>
+          <a:p>
+            <a:pPr algn="ctr"/>
+            <a:endParaRPr lang="en-US" altLang="ko-KR" sz="2000" dirty="0" smtClean="0">
+              <a:solidFill>
+                <a:schemeClr val="tx1"/>
+              </a:solidFill>
+            </a:endParaRPr>
+          </a:p>
+          <a:p>
+            <a:pPr algn="ctr"/>
+            <a:endParaRPr lang="ko-KR" altLang="en-US" sz="2000" dirty="0">
+              <a:solidFill>
+                <a:schemeClr val="tx1"/>
+              </a:solidFill>
+            </a:endParaRPr>
+          </a:p>
+        </p:txBody>
+      </p:sp>
+      <p:sp>
+        <p:nvSpPr>
+          <p:cNvPr id="32" name="직사각형 31"/>
+          <p:cNvSpPr/>
+          <p:nvPr/>
+        </p:nvSpPr>
+        <p:spPr>
+          <a:xfrm>
+            <a:off x="3045019" y="4005064"/>
+            <a:ext cx="3101693" cy="576064"/>
+          </a:xfrm>
+          <a:prstGeom prst="rect">
+            <a:avLst/>
+          </a:prstGeom>
+          <a:solidFill>
+            <a:schemeClr val="bg1"/>
+          </a:solidFill>
+        </p:spPr>
+        <p:style>
+          <a:lnRef idx="2">
+            <a:schemeClr val="accent1">
+              <a:shade val="50000"/>
+            </a:schemeClr>
+          </a:lnRef>
+          <a:fillRef idx="1">
+            <a:schemeClr val="accent1"/>
+          </a:fillRef>
+          <a:effectRef idx="0">
+            <a:schemeClr val="accent1"/>
+          </a:effectRef>
+          <a:fontRef idx="minor">
+            <a:schemeClr val="lt1"/>
+          </a:fontRef>
+        </p:style>
+        <p:txBody>
+          <a:bodyPr rtlCol="0" anchor="ctr"/>
+          <a:lstStyle/>
+          <a:p>
+            <a:pPr algn="ctr"/>
+            <a:r>
+              <a:rPr lang="ko-KR" altLang="en-US" sz="2000" dirty="0" smtClean="0">
+                <a:solidFill>
+                  <a:schemeClr val="tx1"/>
+                </a:solidFill>
+              </a:rPr>
+              <a:t>수량</a:t>
+            </a:r>
+            <a:endParaRPr lang="ko-KR" altLang="en-US" sz="2000" dirty="0">
+              <a:solidFill>
+                <a:schemeClr val="tx1"/>
+              </a:solidFill>
+            </a:endParaRPr>
+          </a:p>
+        </p:txBody>
+      </p:sp>
+      <p:sp>
+        <p:nvSpPr>
+          <p:cNvPr id="33" name="직사각형 32"/>
+          <p:cNvSpPr/>
+          <p:nvPr/>
+        </p:nvSpPr>
+        <p:spPr>
+          <a:xfrm>
+            <a:off x="3045019" y="3546334"/>
+            <a:ext cx="3101693" cy="458730"/>
+          </a:xfrm>
+          <a:prstGeom prst="rect">
+            <a:avLst/>
+          </a:prstGeom>
+          <a:solidFill>
+            <a:schemeClr val="bg1"/>
+          </a:solidFill>
+        </p:spPr>
+        <p:style>
+          <a:lnRef idx="2">
+            <a:schemeClr val="accent1">
+              <a:shade val="50000"/>
+            </a:schemeClr>
+          </a:lnRef>
+          <a:fillRef idx="1">
+            <a:schemeClr val="accent1"/>
+          </a:fillRef>
+          <a:effectRef idx="0">
+            <a:schemeClr val="accent1"/>
+          </a:effectRef>
+          <a:fontRef idx="minor">
+            <a:schemeClr val="lt1"/>
+          </a:fontRef>
+        </p:style>
+        <p:txBody>
+          <a:bodyPr rtlCol="0" anchor="ctr"/>
+          <a:lstStyle/>
+          <a:p>
+            <a:pPr algn="ctr"/>
+            <a:r>
+              <a:rPr lang="ko-KR" altLang="en-US" sz="2000" dirty="0" smtClean="0">
+                <a:solidFill>
+                  <a:schemeClr val="tx1"/>
+                </a:solidFill>
+              </a:rPr>
+              <a:t>메뉴 이름</a:t>
+            </a:r>
+            <a:r>
+              <a:rPr lang="en-US" altLang="ko-KR" sz="2000" dirty="0" smtClean="0">
+                <a:solidFill>
+                  <a:schemeClr val="tx1"/>
+                </a:solidFill>
+              </a:rPr>
+              <a:t>, </a:t>
+            </a:r>
+            <a:r>
+              <a:rPr lang="ko-KR" altLang="en-US" sz="2000" dirty="0" smtClean="0">
+                <a:solidFill>
+                  <a:schemeClr val="tx1"/>
+                </a:solidFill>
+              </a:rPr>
+              <a:t>가격</a:t>
+            </a:r>
+            <a:endParaRPr lang="ko-KR" altLang="en-US" sz="2000" dirty="0">
+              <a:solidFill>
+                <a:schemeClr val="tx1"/>
+              </a:solidFill>
+            </a:endParaRPr>
+          </a:p>
+        </p:txBody>
+      </p:sp>
+      <p:sp>
+        <p:nvSpPr>
+          <p:cNvPr id="34" name="직사각형 33"/>
+          <p:cNvSpPr/>
+          <p:nvPr/>
+        </p:nvSpPr>
+        <p:spPr>
+          <a:xfrm>
+            <a:off x="6146712" y="2132856"/>
+            <a:ext cx="2993711" cy="2160240"/>
+          </a:xfrm>
+          <a:prstGeom prst="rect">
+            <a:avLst/>
+          </a:prstGeom>
+          <a:solidFill>
+            <a:schemeClr val="bg1"/>
+          </a:solidFill>
+        </p:spPr>
+        <p:style>
+          <a:lnRef idx="2">
+            <a:schemeClr val="accent1">
+              <a:shade val="50000"/>
+            </a:schemeClr>
+          </a:lnRef>
+          <a:fillRef idx="1">
+            <a:schemeClr val="accent1"/>
+          </a:fillRef>
+          <a:effectRef idx="0">
+            <a:schemeClr val="accent1"/>
+          </a:effectRef>
+          <a:fontRef idx="minor">
+            <a:schemeClr val="lt1"/>
+          </a:fontRef>
+        </p:style>
+        <p:txBody>
+          <a:bodyPr rtlCol="0" anchor="ctr"/>
+          <a:lstStyle/>
+          <a:p>
+            <a:pPr algn="ctr"/>
+            <a:r>
+              <a:rPr lang="ko-KR" altLang="en-US" sz="2000" dirty="0" smtClean="0">
+                <a:solidFill>
+                  <a:schemeClr val="tx1"/>
+                </a:solidFill>
+              </a:rPr>
+              <a:t>메뉴 그림</a:t>
+            </a:r>
+            <a:endParaRPr lang="en-US" altLang="ko-KR" sz="2000" dirty="0" smtClean="0">
+              <a:solidFill>
+                <a:schemeClr val="tx1"/>
+              </a:solidFill>
+            </a:endParaRPr>
+          </a:p>
+          <a:p>
+            <a:pPr algn="ctr"/>
+            <a:endParaRPr lang="en-US" altLang="ko-KR" sz="2000" dirty="0">
+              <a:solidFill>
+                <a:schemeClr val="tx1"/>
+              </a:solidFill>
+            </a:endParaRPr>
+          </a:p>
+          <a:p>
+            <a:pPr algn="ctr"/>
+            <a:endParaRPr lang="en-US" altLang="ko-KR" sz="2000" dirty="0" smtClean="0">
+              <a:solidFill>
+                <a:schemeClr val="tx1"/>
+              </a:solidFill>
+            </a:endParaRPr>
+          </a:p>
+          <a:p>
+            <a:pPr algn="ctr"/>
+            <a:endParaRPr lang="ko-KR" altLang="en-US" sz="2000" dirty="0">
+              <a:solidFill>
+                <a:schemeClr val="tx1"/>
+              </a:solidFill>
+            </a:endParaRPr>
+          </a:p>
+        </p:txBody>
+      </p:sp>
+      <p:sp>
+        <p:nvSpPr>
+          <p:cNvPr id="35" name="직사각형 34"/>
+          <p:cNvSpPr/>
+          <p:nvPr/>
+        </p:nvSpPr>
+        <p:spPr>
+          <a:xfrm>
+            <a:off x="6135729" y="4005064"/>
+            <a:ext cx="3004350" cy="576064"/>
+          </a:xfrm>
+          <a:prstGeom prst="rect">
+            <a:avLst/>
+          </a:prstGeom>
+          <a:solidFill>
+            <a:schemeClr val="bg1"/>
+          </a:solidFill>
+        </p:spPr>
+        <p:style>
+          <a:lnRef idx="2">
+            <a:schemeClr val="accent1">
+              <a:shade val="50000"/>
+            </a:schemeClr>
+          </a:lnRef>
+          <a:fillRef idx="1">
+            <a:schemeClr val="accent1"/>
+          </a:fillRef>
+          <a:effectRef idx="0">
+            <a:schemeClr val="accent1"/>
+          </a:effectRef>
+          <a:fontRef idx="minor">
+            <a:schemeClr val="lt1"/>
+          </a:fontRef>
+        </p:style>
+        <p:txBody>
+          <a:bodyPr rtlCol="0" anchor="ctr"/>
+          <a:lstStyle/>
+          <a:p>
+            <a:pPr algn="ctr"/>
+            <a:r>
+              <a:rPr lang="ko-KR" altLang="en-US" sz="2000" dirty="0" smtClean="0">
+                <a:solidFill>
+                  <a:schemeClr val="tx1"/>
+                </a:solidFill>
+              </a:rPr>
+              <a:t>수량</a:t>
+            </a:r>
+            <a:endParaRPr lang="ko-KR" altLang="en-US" sz="2000" dirty="0">
+              <a:solidFill>
+                <a:schemeClr val="tx1"/>
+              </a:solidFill>
+            </a:endParaRPr>
+          </a:p>
+        </p:txBody>
+      </p:sp>
+      <p:sp>
+        <p:nvSpPr>
+          <p:cNvPr id="36" name="직사각형 35"/>
+          <p:cNvSpPr/>
+          <p:nvPr/>
+        </p:nvSpPr>
+        <p:spPr>
+          <a:xfrm>
+            <a:off x="6135729" y="3546334"/>
+            <a:ext cx="3004350" cy="458730"/>
+          </a:xfrm>
+          <a:prstGeom prst="rect">
+            <a:avLst/>
+          </a:prstGeom>
+          <a:solidFill>
+            <a:schemeClr val="bg1"/>
+          </a:solidFill>
+        </p:spPr>
+        <p:style>
+          <a:lnRef idx="2">
+            <a:schemeClr val="accent1">
+              <a:shade val="50000"/>
+            </a:schemeClr>
+          </a:lnRef>
+          <a:fillRef idx="1">
+            <a:schemeClr val="accent1"/>
+          </a:fillRef>
+          <a:effectRef idx="0">
+            <a:schemeClr val="accent1"/>
+          </a:effectRef>
+          <a:fontRef idx="minor">
+            <a:schemeClr val="lt1"/>
+          </a:fontRef>
+        </p:style>
+        <p:txBody>
+          <a:bodyPr rtlCol="0" anchor="ctr"/>
+          <a:lstStyle/>
+          <a:p>
+            <a:pPr algn="ctr"/>
+            <a:r>
+              <a:rPr lang="ko-KR" altLang="en-US" sz="2000" dirty="0" smtClean="0">
+                <a:solidFill>
+                  <a:schemeClr val="tx1"/>
+                </a:solidFill>
+              </a:rPr>
+              <a:t>메뉴 이름</a:t>
+            </a:r>
+            <a:r>
+              <a:rPr lang="en-US" altLang="ko-KR" sz="2000" dirty="0" smtClean="0">
+                <a:solidFill>
+                  <a:schemeClr val="tx1"/>
+                </a:solidFill>
+              </a:rPr>
+              <a:t>, </a:t>
+            </a:r>
+            <a:r>
+              <a:rPr lang="ko-KR" altLang="en-US" sz="2000" dirty="0" smtClean="0">
+                <a:solidFill>
+                  <a:schemeClr val="tx1"/>
+                </a:solidFill>
+              </a:rPr>
+              <a:t>가격</a:t>
+            </a:r>
+            <a:endParaRPr lang="ko-KR" altLang="en-US" sz="2000" dirty="0">
+              <a:solidFill>
+                <a:schemeClr val="tx1"/>
+              </a:solidFill>
+            </a:endParaRPr>
+          </a:p>
+        </p:txBody>
+      </p:sp>
+      <p:sp>
+        <p:nvSpPr>
+          <p:cNvPr id="2" name="덧셈 기호 1"/>
+          <p:cNvSpPr/>
+          <p:nvPr/>
+        </p:nvSpPr>
+        <p:spPr>
+          <a:xfrm>
+            <a:off x="1979712" y="4041068"/>
+            <a:ext cx="457200" cy="504056"/>
+          </a:xfrm>
+          <a:prstGeom prst="mathPlus">
+            <a:avLst/>
+          </a:prstGeom>
+        </p:spPr>
+        <p:style>
+          <a:lnRef idx="2">
+            <a:schemeClr val="accent1">
+              <a:shade val="50000"/>
+            </a:schemeClr>
+          </a:lnRef>
+          <a:fillRef idx="1">
+            <a:schemeClr val="accent1"/>
+          </a:fillRef>
+          <a:effectRef idx="0">
+            <a:schemeClr val="accent1"/>
+          </a:effectRef>
+          <a:fontRef idx="minor">
+            <a:schemeClr val="lt1"/>
+          </a:fontRef>
+        </p:style>
+        <p:txBody>
+          <a:bodyPr rtlCol="0" anchor="ctr"/>
+          <a:lstStyle/>
+          <a:p>
+            <a:pPr algn="ctr"/>
+            <a:endParaRPr lang="ko-KR" altLang="en-US"/>
+          </a:p>
+        </p:txBody>
+      </p:sp>
+      <p:sp>
+        <p:nvSpPr>
+          <p:cNvPr id="3" name="뺄셈 기호 2"/>
+          <p:cNvSpPr/>
+          <p:nvPr/>
+        </p:nvSpPr>
+        <p:spPr>
+          <a:xfrm>
+            <a:off x="611560" y="3835896"/>
+            <a:ext cx="504056" cy="914400"/>
+          </a:xfrm>
+          <a:prstGeom prst="mathMinus">
+            <a:avLst/>
+          </a:prstGeom>
+        </p:spPr>
+        <p:style>
+          <a:lnRef idx="2">
+            <a:schemeClr val="accent1">
+              <a:shade val="50000"/>
+            </a:schemeClr>
+          </a:lnRef>
+          <a:fillRef idx="1">
+            <a:schemeClr val="accent1"/>
+          </a:fillRef>
+          <a:effectRef idx="0">
+            <a:schemeClr val="accent1"/>
+          </a:effectRef>
+          <a:fontRef idx="minor">
+            <a:schemeClr val="lt1"/>
+          </a:fontRef>
+        </p:style>
+        <p:txBody>
+          <a:bodyPr rtlCol="0" anchor="ctr"/>
+          <a:lstStyle/>
+          <a:p>
+            <a:pPr algn="ctr"/>
+            <a:endParaRPr lang="ko-KR" altLang="en-US"/>
+          </a:p>
+        </p:txBody>
+      </p:sp>
+      <p:sp>
+        <p:nvSpPr>
+          <p:cNvPr id="15" name="덧셈 기호 14"/>
+          <p:cNvSpPr/>
+          <p:nvPr/>
+        </p:nvSpPr>
+        <p:spPr>
+          <a:xfrm>
+            <a:off x="5004048" y="4041068"/>
+            <a:ext cx="457200" cy="504056"/>
+          </a:xfrm>
+          <a:prstGeom prst="mathPlus">
+            <a:avLst/>
+          </a:prstGeom>
+        </p:spPr>
+        <p:style>
+          <a:lnRef idx="2">
+            <a:schemeClr val="accent1">
+              <a:shade val="50000"/>
+            </a:schemeClr>
+          </a:lnRef>
+          <a:fillRef idx="1">
+            <a:schemeClr val="accent1"/>
+          </a:fillRef>
+          <a:effectRef idx="0">
+            <a:schemeClr val="accent1"/>
+          </a:effectRef>
+          <a:fontRef idx="minor">
+            <a:schemeClr val="lt1"/>
+          </a:fontRef>
+        </p:style>
+        <p:txBody>
+          <a:bodyPr rtlCol="0" anchor="ctr"/>
+          <a:lstStyle/>
+          <a:p>
+            <a:pPr algn="ctr"/>
+            <a:endParaRPr lang="ko-KR" altLang="en-US"/>
+          </a:p>
+        </p:txBody>
+      </p:sp>
+      <p:sp>
+        <p:nvSpPr>
+          <p:cNvPr id="16" name="뺄셈 기호 15"/>
+          <p:cNvSpPr/>
+          <p:nvPr/>
+        </p:nvSpPr>
+        <p:spPr>
+          <a:xfrm>
+            <a:off x="3635896" y="3835896"/>
+            <a:ext cx="504056" cy="914400"/>
+          </a:xfrm>
+          <a:prstGeom prst="mathMinus">
+            <a:avLst/>
+          </a:prstGeom>
+        </p:spPr>
+        <p:style>
+          <a:lnRef idx="2">
+            <a:schemeClr val="accent1">
+              <a:shade val="50000"/>
+            </a:schemeClr>
+          </a:lnRef>
+          <a:fillRef idx="1">
+            <a:schemeClr val="accent1"/>
+          </a:fillRef>
+          <a:effectRef idx="0">
+            <a:schemeClr val="accent1"/>
+          </a:effectRef>
+          <a:fontRef idx="minor">
+            <a:schemeClr val="lt1"/>
+          </a:fontRef>
+        </p:style>
+        <p:txBody>
+          <a:bodyPr rtlCol="0" anchor="ctr"/>
+          <a:lstStyle/>
+          <a:p>
+            <a:pPr algn="ctr"/>
+            <a:endParaRPr lang="ko-KR" altLang="en-US"/>
+          </a:p>
+        </p:txBody>
+      </p:sp>
+      <p:sp>
+        <p:nvSpPr>
+          <p:cNvPr id="17" name="덧셈 기호 16"/>
+          <p:cNvSpPr/>
+          <p:nvPr/>
+        </p:nvSpPr>
+        <p:spPr>
+          <a:xfrm>
+            <a:off x="8100392" y="4041068"/>
+            <a:ext cx="457200" cy="504056"/>
+          </a:xfrm>
+          <a:prstGeom prst="mathPlus">
+            <a:avLst/>
+          </a:prstGeom>
+        </p:spPr>
+        <p:style>
+          <a:lnRef idx="2">
+            <a:schemeClr val="accent1">
+              <a:shade val="50000"/>
+            </a:schemeClr>
+          </a:lnRef>
+          <a:fillRef idx="1">
+            <a:schemeClr val="accent1"/>
+          </a:fillRef>
+          <a:effectRef idx="0">
+            <a:schemeClr val="accent1"/>
+          </a:effectRef>
+          <a:fontRef idx="minor">
+            <a:schemeClr val="lt1"/>
+          </a:fontRef>
+        </p:style>
+        <p:txBody>
+          <a:bodyPr rtlCol="0" anchor="ctr"/>
+          <a:lstStyle/>
+          <a:p>
+            <a:pPr algn="ctr"/>
+            <a:endParaRPr lang="ko-KR" altLang="en-US"/>
+          </a:p>
+        </p:txBody>
+      </p:sp>
+      <p:sp>
+        <p:nvSpPr>
+          <p:cNvPr id="18" name="뺄셈 기호 17"/>
+          <p:cNvSpPr/>
+          <p:nvPr/>
+        </p:nvSpPr>
+        <p:spPr>
+          <a:xfrm>
+            <a:off x="6732240" y="3835896"/>
+            <a:ext cx="504056" cy="914400"/>
+          </a:xfrm>
+          <a:prstGeom prst="mathMinus">
+            <a:avLst/>
+          </a:prstGeom>
+        </p:spPr>
+        <p:style>
+          <a:lnRef idx="2">
+            <a:schemeClr val="accent1">
+              <a:shade val="50000"/>
+            </a:schemeClr>
+          </a:lnRef>
+          <a:fillRef idx="1">
+            <a:schemeClr val="accent1"/>
+          </a:fillRef>
+          <a:effectRef idx="0">
+            <a:schemeClr val="accent1"/>
+          </a:effectRef>
+          <a:fontRef idx="minor">
+            <a:schemeClr val="lt1"/>
+          </a:fontRef>
+        </p:style>
+        <p:txBody>
+          <a:bodyPr rtlCol="0" anchor="ctr"/>
+          <a:lstStyle/>
+          <a:p>
+            <a:pPr algn="ctr"/>
+            <a:endParaRPr lang="ko-KR" altLang="en-US"/>
+          </a:p>
+        </p:txBody>
+      </p:sp>
     </p:spTree>
     <p:extLst>
       <p:ext uri="{BB962C8B-B14F-4D97-AF65-F5344CB8AC3E}">
         <p14:creationId xmlns:p14="http://schemas.microsoft.com/office/powerpoint/2010/main" val="742147983"/>
+      </p:ext>
+    </p:extLst>
+  </p:cSld>
+  <p:clrMapOvr>
+    <a:masterClrMapping/>
+  </p:clrMapOvr>
+  <p:timing>
+    <p:tnLst>
+      <p:par>
+        <p:cTn id="1" dur="indefinite" restart="never" nodeType="tmRoot"/>
+      </p:par>
+    </p:tnLst>
+  </p:timing>
+</p:sld>
+</file>
+
+<file path=ppt/slides/slide4.xml><?xml version="1.0" encoding="utf-8"?>
+<p:sld xmlns:a="http://schemas.openxmlformats.org/drawingml/2006/main" xmlns:r="http://schemas.openxmlformats.org/officeDocument/2006/relationships" xmlns:p="http://schemas.openxmlformats.org/presentationml/2006/main">
+  <p:cSld>
+    <p:spTree>
+      <p:nvGrpSpPr>
+        <p:cNvPr id="1" name=""/>
+        <p:cNvGrpSpPr/>
+        <p:nvPr/>
+      </p:nvGrpSpPr>
+      <p:grpSpPr>
+        <a:xfrm>
+          <a:off x="0" y="0"/>
+          <a:ext cx="0" cy="0"/>
+          <a:chOff x="0" y="0"/>
+          <a:chExt cx="0" cy="0"/>
+        </a:xfrm>
+      </p:grpSpPr>
+      <p:sp>
+        <p:nvSpPr>
+          <p:cNvPr id="12" name="직사각형 11"/>
+          <p:cNvSpPr/>
+          <p:nvPr/>
+        </p:nvSpPr>
+        <p:spPr>
+          <a:xfrm>
+            <a:off x="514044" y="1196752"/>
+            <a:ext cx="8041645" cy="4768742"/>
+          </a:xfrm>
+          <a:prstGeom prst="rect">
+            <a:avLst/>
+          </a:prstGeom>
+          <a:solidFill>
+            <a:schemeClr val="bg1"/>
+          </a:solidFill>
+        </p:spPr>
+        <p:style>
+          <a:lnRef idx="2">
+            <a:schemeClr val="accent1">
+              <a:shade val="50000"/>
+            </a:schemeClr>
+          </a:lnRef>
+          <a:fillRef idx="1">
+            <a:schemeClr val="accent1"/>
+          </a:fillRef>
+          <a:effectRef idx="0">
+            <a:schemeClr val="accent1"/>
+          </a:effectRef>
+          <a:fontRef idx="minor">
+            <a:schemeClr val="lt1"/>
+          </a:fontRef>
+        </p:style>
+        <p:txBody>
+          <a:bodyPr rtlCol="0" anchor="ctr"/>
+          <a:lstStyle/>
+          <a:p>
+            <a:pPr algn="ctr"/>
+            <a:r>
+              <a:rPr lang="ko-KR" altLang="en-US" dirty="0" smtClean="0">
+                <a:solidFill>
+                  <a:schemeClr val="tx1"/>
+                </a:solidFill>
+              </a:rPr>
+              <a:t>메뉴 이름 및 수량 </a:t>
+            </a:r>
+            <a:r>
+              <a:rPr lang="ko-KR" altLang="en-US" dirty="0" err="1" smtClean="0">
+                <a:solidFill>
+                  <a:schemeClr val="tx1"/>
+                </a:solidFill>
+              </a:rPr>
+              <a:t>나오게하기</a:t>
+            </a:r>
+            <a:endParaRPr lang="ko-KR" altLang="en-US" dirty="0">
+              <a:solidFill>
+                <a:schemeClr val="tx1"/>
+              </a:solidFill>
+            </a:endParaRPr>
+          </a:p>
+        </p:txBody>
+      </p:sp>
+      <p:sp>
+        <p:nvSpPr>
+          <p:cNvPr id="29" name="직사각형 28"/>
+          <p:cNvSpPr/>
+          <p:nvPr/>
+        </p:nvSpPr>
+        <p:spPr>
+          <a:xfrm>
+            <a:off x="514042" y="0"/>
+            <a:ext cx="2905829" cy="695893"/>
+          </a:xfrm>
+          <a:prstGeom prst="rect">
+            <a:avLst/>
+          </a:prstGeom>
+          <a:solidFill>
+            <a:schemeClr val="bg1"/>
+          </a:solidFill>
+        </p:spPr>
+        <p:style>
+          <a:lnRef idx="2">
+            <a:schemeClr val="accent1">
+              <a:shade val="50000"/>
+            </a:schemeClr>
+          </a:lnRef>
+          <a:fillRef idx="1">
+            <a:schemeClr val="accent1"/>
+          </a:fillRef>
+          <a:effectRef idx="0">
+            <a:schemeClr val="accent1"/>
+          </a:effectRef>
+          <a:fontRef idx="minor">
+            <a:schemeClr val="lt1"/>
+          </a:fontRef>
+        </p:style>
+        <p:txBody>
+          <a:bodyPr rtlCol="0" anchor="ctr"/>
+          <a:lstStyle/>
+          <a:p>
+            <a:pPr algn="ctr"/>
+            <a:r>
+              <a:rPr lang="ko-KR" altLang="en-US" sz="2000" dirty="0" err="1" smtClean="0">
+                <a:solidFill>
+                  <a:schemeClr val="tx1"/>
+                </a:solidFill>
+              </a:rPr>
+              <a:t>최근주문목록</a:t>
+            </a:r>
+            <a:r>
+              <a:rPr lang="ko-KR" altLang="en-US" sz="2000" dirty="0" smtClean="0">
+                <a:solidFill>
+                  <a:schemeClr val="tx1"/>
+                </a:solidFill>
+              </a:rPr>
+              <a:t> </a:t>
+            </a:r>
+            <a:r>
+              <a:rPr lang="ko-KR" altLang="en-US" sz="2000" dirty="0" err="1" smtClean="0">
+                <a:solidFill>
+                  <a:schemeClr val="tx1"/>
+                </a:solidFill>
+              </a:rPr>
+              <a:t>클릭시</a:t>
+            </a:r>
+            <a:endParaRPr lang="en-US" altLang="ko-KR" sz="2000" dirty="0" smtClean="0">
+              <a:solidFill>
+                <a:schemeClr val="tx1"/>
+              </a:solidFill>
+            </a:endParaRPr>
+          </a:p>
+        </p:txBody>
+      </p:sp>
+    </p:spTree>
+    <p:extLst>
+      <p:ext uri="{BB962C8B-B14F-4D97-AF65-F5344CB8AC3E}">
+        <p14:creationId xmlns:p14="http://schemas.microsoft.com/office/powerpoint/2010/main" val="2777899743"/>
       </p:ext>
     </p:extLst>
   </p:cSld>

--- a/PC방 화면설계서.pptx
+++ b/PC방 화면설계서.pptx
@@ -195,7 +195,7 @@
           <a:p>
             <a:fld id="{32388592-9F36-406F-8C1B-92840CF9C79B}" type="datetimeFigureOut">
               <a:rPr lang="ko-KR" altLang="en-US" smtClean="0"/>
-              <a:t>2020-02-28</a:t>
+              <a:t>2020-02-29</a:t>
             </a:fld>
             <a:endParaRPr lang="ko-KR" altLang="en-US"/>
           </a:p>
@@ -728,7 +728,7 @@
           <a:p>
             <a:fld id="{3136136F-ECC5-495B-8B11-3D1CF5F3A3F9}" type="datetimeFigureOut">
               <a:rPr lang="ko-KR" altLang="en-US" smtClean="0"/>
-              <a:t>2020-02-28</a:t>
+              <a:t>2020-02-29</a:t>
             </a:fld>
             <a:endParaRPr lang="ko-KR" altLang="en-US"/>
           </a:p>
@@ -898,7 +898,7 @@
           <a:p>
             <a:fld id="{3136136F-ECC5-495B-8B11-3D1CF5F3A3F9}" type="datetimeFigureOut">
               <a:rPr lang="ko-KR" altLang="en-US" smtClean="0"/>
-              <a:t>2020-02-28</a:t>
+              <a:t>2020-02-29</a:t>
             </a:fld>
             <a:endParaRPr lang="ko-KR" altLang="en-US"/>
           </a:p>
@@ -1078,7 +1078,7 @@
           <a:p>
             <a:fld id="{3136136F-ECC5-495B-8B11-3D1CF5F3A3F9}" type="datetimeFigureOut">
               <a:rPr lang="ko-KR" altLang="en-US" smtClean="0"/>
-              <a:t>2020-02-28</a:t>
+              <a:t>2020-02-29</a:t>
             </a:fld>
             <a:endParaRPr lang="ko-KR" altLang="en-US"/>
           </a:p>
@@ -1248,7 +1248,7 @@
           <a:p>
             <a:fld id="{3136136F-ECC5-495B-8B11-3D1CF5F3A3F9}" type="datetimeFigureOut">
               <a:rPr lang="ko-KR" altLang="en-US" smtClean="0"/>
-              <a:t>2020-02-28</a:t>
+              <a:t>2020-02-29</a:t>
             </a:fld>
             <a:endParaRPr lang="ko-KR" altLang="en-US"/>
           </a:p>
@@ -1494,7 +1494,7 @@
           <a:p>
             <a:fld id="{3136136F-ECC5-495B-8B11-3D1CF5F3A3F9}" type="datetimeFigureOut">
               <a:rPr lang="ko-KR" altLang="en-US" smtClean="0"/>
-              <a:t>2020-02-28</a:t>
+              <a:t>2020-02-29</a:t>
             </a:fld>
             <a:endParaRPr lang="ko-KR" altLang="en-US"/>
           </a:p>
@@ -1782,7 +1782,7 @@
           <a:p>
             <a:fld id="{3136136F-ECC5-495B-8B11-3D1CF5F3A3F9}" type="datetimeFigureOut">
               <a:rPr lang="ko-KR" altLang="en-US" smtClean="0"/>
-              <a:t>2020-02-28</a:t>
+              <a:t>2020-02-29</a:t>
             </a:fld>
             <a:endParaRPr lang="ko-KR" altLang="en-US"/>
           </a:p>
@@ -2204,7 +2204,7 @@
           <a:p>
             <a:fld id="{3136136F-ECC5-495B-8B11-3D1CF5F3A3F9}" type="datetimeFigureOut">
               <a:rPr lang="ko-KR" altLang="en-US" smtClean="0"/>
-              <a:t>2020-02-28</a:t>
+              <a:t>2020-02-29</a:t>
             </a:fld>
             <a:endParaRPr lang="ko-KR" altLang="en-US"/>
           </a:p>
@@ -2322,7 +2322,7 @@
           <a:p>
             <a:fld id="{3136136F-ECC5-495B-8B11-3D1CF5F3A3F9}" type="datetimeFigureOut">
               <a:rPr lang="ko-KR" altLang="en-US" smtClean="0"/>
-              <a:t>2020-02-28</a:t>
+              <a:t>2020-02-29</a:t>
             </a:fld>
             <a:endParaRPr lang="ko-KR" altLang="en-US"/>
           </a:p>
@@ -2417,7 +2417,7 @@
           <a:p>
             <a:fld id="{3136136F-ECC5-495B-8B11-3D1CF5F3A3F9}" type="datetimeFigureOut">
               <a:rPr lang="ko-KR" altLang="en-US" smtClean="0"/>
-              <a:t>2020-02-28</a:t>
+              <a:t>2020-02-29</a:t>
             </a:fld>
             <a:endParaRPr lang="ko-KR" altLang="en-US"/>
           </a:p>
@@ -2694,7 +2694,7 @@
           <a:p>
             <a:fld id="{3136136F-ECC5-495B-8B11-3D1CF5F3A3F9}" type="datetimeFigureOut">
               <a:rPr lang="ko-KR" altLang="en-US" smtClean="0"/>
-              <a:t>2020-02-28</a:t>
+              <a:t>2020-02-29</a:t>
             </a:fld>
             <a:endParaRPr lang="ko-KR" altLang="en-US"/>
           </a:p>
@@ -2947,7 +2947,7 @@
           <a:p>
             <a:fld id="{3136136F-ECC5-495B-8B11-3D1CF5F3A3F9}" type="datetimeFigureOut">
               <a:rPr lang="ko-KR" altLang="en-US" smtClean="0"/>
-              <a:t>2020-02-28</a:t>
+              <a:t>2020-02-29</a:t>
             </a:fld>
             <a:endParaRPr lang="ko-KR" altLang="en-US"/>
           </a:p>
@@ -3160,7 +3160,7 @@
           <a:p>
             <a:fld id="{3136136F-ECC5-495B-8B11-3D1CF5F3A3F9}" type="datetimeFigureOut">
               <a:rPr lang="ko-KR" altLang="en-US" smtClean="0"/>
-              <a:t>2020-02-28</a:t>
+              <a:t>2020-02-29</a:t>
             </a:fld>
             <a:endParaRPr lang="ko-KR" altLang="en-US"/>
           </a:p>
